--- a/Présentation Donjons et Diagnostiquons.pptx
+++ b/Présentation Donjons et Diagnostiquons.pptx
@@ -113,6 +113,11 @@
       </a:defRPr>
     </a:lvl9pPr>
   </p:defaultTextStyle>
+  <p:extLst>
+    <p:ext uri="{EFAFB233-063F-42B5-8137-9DF3F51BA10A}">
+      <p15:sldGuideLst xmlns:p15="http://schemas.microsoft.com/office/powerpoint/2012/main"/>
+    </p:ext>
+  </p:extLst>
 </p:presentation>
 </file>
 
@@ -263,7 +268,7 @@
           <a:p>
             <a:fld id="{D2223BE3-86C3-4B27-8A51-5B2734DEEE95}" type="datetimeFigureOut">
               <a:rPr lang="fr-FR" smtClean="0"/>
-              <a:t>27/06/2024</a:t>
+              <a:t>28/06/2024</a:t>
             </a:fld>
             <a:endParaRPr lang="fr-FR"/>
           </a:p>
@@ -461,7 +466,7 @@
           <a:p>
             <a:fld id="{D2223BE3-86C3-4B27-8A51-5B2734DEEE95}" type="datetimeFigureOut">
               <a:rPr lang="fr-FR" smtClean="0"/>
-              <a:t>27/06/2024</a:t>
+              <a:t>28/06/2024</a:t>
             </a:fld>
             <a:endParaRPr lang="fr-FR"/>
           </a:p>
@@ -669,7 +674,7 @@
           <a:p>
             <a:fld id="{D2223BE3-86C3-4B27-8A51-5B2734DEEE95}" type="datetimeFigureOut">
               <a:rPr lang="fr-FR" smtClean="0"/>
-              <a:t>27/06/2024</a:t>
+              <a:t>28/06/2024</a:t>
             </a:fld>
             <a:endParaRPr lang="fr-FR"/>
           </a:p>
@@ -867,7 +872,7 @@
           <a:p>
             <a:fld id="{D2223BE3-86C3-4B27-8A51-5B2734DEEE95}" type="datetimeFigureOut">
               <a:rPr lang="fr-FR" smtClean="0"/>
-              <a:t>27/06/2024</a:t>
+              <a:t>28/06/2024</a:t>
             </a:fld>
             <a:endParaRPr lang="fr-FR"/>
           </a:p>
@@ -1142,7 +1147,7 @@
           <a:p>
             <a:fld id="{D2223BE3-86C3-4B27-8A51-5B2734DEEE95}" type="datetimeFigureOut">
               <a:rPr lang="fr-FR" smtClean="0"/>
-              <a:t>27/06/2024</a:t>
+              <a:t>28/06/2024</a:t>
             </a:fld>
             <a:endParaRPr lang="fr-FR"/>
           </a:p>
@@ -1407,7 +1412,7 @@
           <a:p>
             <a:fld id="{D2223BE3-86C3-4B27-8A51-5B2734DEEE95}" type="datetimeFigureOut">
               <a:rPr lang="fr-FR" smtClean="0"/>
-              <a:t>27/06/2024</a:t>
+              <a:t>28/06/2024</a:t>
             </a:fld>
             <a:endParaRPr lang="fr-FR"/>
           </a:p>
@@ -1819,7 +1824,7 @@
           <a:p>
             <a:fld id="{D2223BE3-86C3-4B27-8A51-5B2734DEEE95}" type="datetimeFigureOut">
               <a:rPr lang="fr-FR" smtClean="0"/>
-              <a:t>27/06/2024</a:t>
+              <a:t>28/06/2024</a:t>
             </a:fld>
             <a:endParaRPr lang="fr-FR"/>
           </a:p>
@@ -1960,7 +1965,7 @@
           <a:p>
             <a:fld id="{D2223BE3-86C3-4B27-8A51-5B2734DEEE95}" type="datetimeFigureOut">
               <a:rPr lang="fr-FR" smtClean="0"/>
-              <a:t>27/06/2024</a:t>
+              <a:t>28/06/2024</a:t>
             </a:fld>
             <a:endParaRPr lang="fr-FR"/>
           </a:p>
@@ -2073,7 +2078,7 @@
           <a:p>
             <a:fld id="{D2223BE3-86C3-4B27-8A51-5B2734DEEE95}" type="datetimeFigureOut">
               <a:rPr lang="fr-FR" smtClean="0"/>
-              <a:t>27/06/2024</a:t>
+              <a:t>28/06/2024</a:t>
             </a:fld>
             <a:endParaRPr lang="fr-FR"/>
           </a:p>
@@ -2384,7 +2389,7 @@
           <a:p>
             <a:fld id="{D2223BE3-86C3-4B27-8A51-5B2734DEEE95}" type="datetimeFigureOut">
               <a:rPr lang="fr-FR" smtClean="0"/>
-              <a:t>27/06/2024</a:t>
+              <a:t>28/06/2024</a:t>
             </a:fld>
             <a:endParaRPr lang="fr-FR"/>
           </a:p>
@@ -2672,7 +2677,7 @@
           <a:p>
             <a:fld id="{D2223BE3-86C3-4B27-8A51-5B2734DEEE95}" type="datetimeFigureOut">
               <a:rPr lang="fr-FR" smtClean="0"/>
-              <a:t>27/06/2024</a:t>
+              <a:t>28/06/2024</a:t>
             </a:fld>
             <a:endParaRPr lang="fr-FR"/>
           </a:p>
@@ -2913,7 +2918,7 @@
           <a:p>
             <a:fld id="{D2223BE3-86C3-4B27-8A51-5B2734DEEE95}" type="datetimeFigureOut">
               <a:rPr lang="fr-FR" smtClean="0"/>
-              <a:t>27/06/2024</a:t>
+              <a:t>28/06/2024</a:t>
             </a:fld>
             <a:endParaRPr lang="fr-FR"/>
           </a:p>
@@ -7843,8 +7848,8 @@
         </p:nvSpPr>
         <p:spPr>
           <a:xfrm>
-            <a:off x="838200" y="1516743"/>
-            <a:ext cx="10515600" cy="2198914"/>
+            <a:off x="587660" y="3301547"/>
+            <a:ext cx="3994192" cy="1591241"/>
           </a:xfrm>
         </p:spPr>
         <p:txBody>
@@ -7853,70 +7858,109 @@
           </a:bodyPr>
           <a:lstStyle/>
           <a:p>
-            <a:r>
-              <a:rPr lang="fr-FR" dirty="0"/>
-              <a:t>Développement Applications</a:t>
-            </a:r>
-          </a:p>
-          <a:p>
             <a:pPr lvl="1"/>
             <a:r>
-              <a:rPr lang="fr-FR" dirty="0"/>
+              <a:rPr lang="fr-FR" sz="1900" dirty="0"/>
               <a:t>Partie Développement :</a:t>
             </a:r>
           </a:p>
           <a:p>
             <a:pPr lvl="2"/>
             <a:r>
-              <a:rPr lang="fr-FR" dirty="0"/>
+              <a:rPr lang="fr-FR" sz="1700" dirty="0"/>
               <a:t>HTML5</a:t>
             </a:r>
           </a:p>
           <a:p>
             <a:pPr lvl="2"/>
             <a:r>
-              <a:rPr lang="fr-FR" dirty="0"/>
+              <a:rPr lang="fr-FR" sz="1700" dirty="0"/>
               <a:t>CSS3</a:t>
             </a:r>
           </a:p>
           <a:p>
             <a:pPr lvl="2"/>
             <a:r>
-              <a:rPr lang="fr-FR" dirty="0"/>
+              <a:rPr lang="fr-FR" sz="1700" dirty="0"/>
               <a:t>JS</a:t>
             </a:r>
           </a:p>
           <a:p>
             <a:pPr lvl="2"/>
             <a:r>
-              <a:rPr lang="fr-FR" dirty="0"/>
+              <a:rPr lang="fr-FR" sz="1700" dirty="0"/>
               <a:t>PHP Code </a:t>
             </a:r>
             <a:r>
-              <a:rPr lang="fr-FR" dirty="0" err="1"/>
+              <a:rPr lang="fr-FR" sz="1700" dirty="0" err="1"/>
               <a:t>Igniter</a:t>
             </a:r>
-            <a:endParaRPr lang="fr-FR" dirty="0"/>
+            <a:endParaRPr lang="fr-FR" sz="1700" dirty="0"/>
           </a:p>
           <a:p>
             <a:pPr lvl="2"/>
             <a:r>
-              <a:rPr lang="fr-FR" dirty="0" err="1"/>
+              <a:rPr lang="fr-FR" sz="1700" dirty="0" err="1"/>
               <a:t>My</a:t>
             </a:r>
             <a:r>
-              <a:rPr lang="fr-FR" dirty="0"/>
+              <a:rPr lang="fr-FR" sz="1700" dirty="0"/>
               <a:t> SQL</a:t>
             </a:r>
           </a:p>
         </p:txBody>
       </p:sp>
+      <p:pic>
+        <p:nvPicPr>
+          <p:cNvPr id="6" name="Image 5" descr="Une image contenant clipart, illustration, Dessin animé, croquis&#10;&#10;Description générée automatiquement">
+            <a:extLst>
+              <a:ext uri="{FF2B5EF4-FFF2-40B4-BE49-F238E27FC236}">
+                <a16:creationId xmlns:a16="http://schemas.microsoft.com/office/drawing/2014/main" id="{AA933DE9-76BA-8B1F-536A-51003642CD6C}"/>
+              </a:ext>
+            </a:extLst>
+          </p:cNvPr>
+          <p:cNvPicPr>
+            <a:picLocks noChangeAspect="1"/>
+          </p:cNvPicPr>
+          <p:nvPr/>
+        </p:nvPicPr>
+        <p:blipFill>
+          <a:blip r:embed="rId2">
+            <a:extLst>
+              <a:ext uri="{28A0092B-C50C-407E-A947-70E740481C1C}">
+                <a14:useLocalDpi xmlns:a14="http://schemas.microsoft.com/office/drawing/2010/main" val="0"/>
+              </a:ext>
+            </a:extLst>
+          </a:blip>
+          <a:stretch>
+            <a:fillRect/>
+          </a:stretch>
+        </p:blipFill>
+        <p:spPr>
+          <a:xfrm>
+            <a:off x="7312165" y="1027906"/>
+            <a:ext cx="3569745" cy="3864882"/>
+          </a:xfrm>
+          <a:prstGeom prst="rect">
+            <a:avLst/>
+          </a:prstGeom>
+          <a:effectLst>
+            <a:reflection endPos="0" dir="5400000" sy="-100000" algn="bl" rotWithShape="0"/>
+          </a:effectLst>
+          <a:scene3d>
+            <a:camera prst="orthographicFront">
+              <a:rot lat="0" lon="10800000" rev="0"/>
+            </a:camera>
+            <a:lightRig rig="threePt" dir="t"/>
+          </a:scene3d>
+        </p:spPr>
+      </p:pic>
       <p:sp>
         <p:nvSpPr>
-          <p:cNvPr id="4" name="Espace réservé du contenu 2">
-            <a:extLst>
-              <a:ext uri="{FF2B5EF4-FFF2-40B4-BE49-F238E27FC236}">
-                <a16:creationId xmlns:a16="http://schemas.microsoft.com/office/drawing/2014/main" id="{929D7733-54E9-C4F0-3651-9FA0917A108E}"/>
+          <p:cNvPr id="5" name="Espace réservé du contenu 2">
+            <a:extLst>
+              <a:ext uri="{FF2B5EF4-FFF2-40B4-BE49-F238E27FC236}">
+                <a16:creationId xmlns:a16="http://schemas.microsoft.com/office/drawing/2014/main" id="{C8512B9F-3DE3-0C9C-0AE2-402FEA86BD55}"/>
               </a:ext>
             </a:extLst>
           </p:cNvPr>
@@ -7927,8 +7971,8 @@
         </p:nvSpPr>
         <p:spPr>
           <a:xfrm>
-            <a:off x="714828" y="3864882"/>
-            <a:ext cx="10515600" cy="1890032"/>
+            <a:off x="587660" y="1571244"/>
+            <a:ext cx="4916908" cy="1591241"/>
           </a:xfrm>
           <a:prstGeom prst="rect">
             <a:avLst/>
@@ -8105,61 +8149,335 @@
           <a:p>
             <a:pPr lvl="1"/>
             <a:r>
-              <a:rPr lang="fr-FR" dirty="0"/>
-              <a:t>Partie Réseau :</a:t>
+              <a:rPr lang="fr-FR" sz="1900" dirty="0"/>
+              <a:t>Partie Communication et </a:t>
+            </a:r>
+            <a:r>
+              <a:rPr lang="fr-FR" sz="1900" dirty="0" err="1"/>
+              <a:t>Versionning</a:t>
+            </a:r>
+            <a:r>
+              <a:rPr lang="fr-FR" sz="1900" dirty="0"/>
+              <a:t> :</a:t>
             </a:r>
           </a:p>
           <a:p>
             <a:pPr lvl="2"/>
-            <a:endParaRPr lang="fr-FR" dirty="0"/>
+            <a:r>
+              <a:rPr lang="fr-FR" sz="1700" dirty="0"/>
+              <a:t>Trello</a:t>
+            </a:r>
+          </a:p>
+          <a:p>
+            <a:pPr lvl="2"/>
+            <a:r>
+              <a:rPr lang="fr-FR" sz="1700" dirty="0"/>
+              <a:t>Git</a:t>
+            </a:r>
+          </a:p>
+          <a:p>
+            <a:pPr lvl="2"/>
+            <a:r>
+              <a:rPr lang="fr-FR" sz="1700" dirty="0"/>
+              <a:t>Discord</a:t>
+            </a:r>
+          </a:p>
+          <a:p>
+            <a:pPr lvl="2"/>
+            <a:r>
+              <a:rPr lang="fr-FR" sz="1700" dirty="0"/>
+              <a:t>Teams</a:t>
+            </a:r>
           </a:p>
         </p:txBody>
       </p:sp>
-      <p:pic>
-        <p:nvPicPr>
-          <p:cNvPr id="6" name="Image 5" descr="Une image contenant clipart, illustration, Dessin animé, croquis&#10;&#10;Description générée automatiquement">
-            <a:extLst>
-              <a:ext uri="{FF2B5EF4-FFF2-40B4-BE49-F238E27FC236}">
-                <a16:creationId xmlns:a16="http://schemas.microsoft.com/office/drawing/2014/main" id="{AA933DE9-76BA-8B1F-536A-51003642CD6C}"/>
-              </a:ext>
-            </a:extLst>
-          </p:cNvPr>
-          <p:cNvPicPr>
-            <a:picLocks noChangeAspect="1"/>
-          </p:cNvPicPr>
+      <p:sp>
+        <p:nvSpPr>
+          <p:cNvPr id="9" name="Espace réservé du contenu 2">
+            <a:extLst>
+              <a:ext uri="{FF2B5EF4-FFF2-40B4-BE49-F238E27FC236}">
+                <a16:creationId xmlns:a16="http://schemas.microsoft.com/office/drawing/2014/main" id="{20AF7658-47E0-A365-0C8C-2BBF6B3C49E2}"/>
+              </a:ext>
+            </a:extLst>
+          </p:cNvPr>
+          <p:cNvSpPr txBox="1">
+            <a:spLocks/>
+          </p:cNvSpPr>
           <p:nvPr/>
-        </p:nvPicPr>
-        <p:blipFill>
-          <a:blip r:embed="rId2">
-            <a:extLst>
-              <a:ext uri="{28A0092B-C50C-407E-A947-70E740481C1C}">
-                <a14:useLocalDpi xmlns:a14="http://schemas.microsoft.com/office/drawing/2010/main" val="0"/>
-              </a:ext>
-            </a:extLst>
-          </a:blip>
-          <a:stretch>
-            <a:fillRect/>
-          </a:stretch>
-        </p:blipFill>
+        </p:nvSpPr>
         <p:spPr>
           <a:xfrm>
-            <a:off x="7312165" y="1027906"/>
-            <a:ext cx="3569745" cy="3864882"/>
+            <a:off x="540212" y="5031850"/>
+            <a:ext cx="4655517" cy="1591241"/>
           </a:xfrm>
           <a:prstGeom prst="rect">
             <a:avLst/>
           </a:prstGeom>
-          <a:effectLst>
-            <a:reflection endPos="0" dir="5400000" sy="-100000" algn="bl" rotWithShape="0"/>
-          </a:effectLst>
-          <a:scene3d>
-            <a:camera prst="orthographicFront">
-              <a:rot lat="0" lon="10800000" rev="0"/>
-            </a:camera>
-            <a:lightRig rig="threePt" dir="t"/>
-          </a:scene3d>
         </p:spPr>
-      </p:pic>
+        <p:txBody>
+          <a:bodyPr vert="horz" lIns="91440" tIns="45720" rIns="91440" bIns="45720" rtlCol="0">
+            <a:normAutofit fontScale="55000" lnSpcReduction="20000"/>
+          </a:bodyPr>
+          <a:lstStyle>
+            <a:lvl1pPr marL="228600" indent="-228600" algn="l" defTabSz="914400" rtl="0" eaLnBrk="1" latinLnBrk="0" hangingPunct="1">
+              <a:lnSpc>
+                <a:spcPct val="90000"/>
+              </a:lnSpc>
+              <a:spcBef>
+                <a:spcPts val="1000"/>
+              </a:spcBef>
+              <a:buFont typeface="Arial" panose="020B0604020202020204" pitchFamily="34" charset="0"/>
+              <a:buChar char="•"/>
+              <a:defRPr sz="2800" kern="1200">
+                <a:solidFill>
+                  <a:schemeClr val="tx1"/>
+                </a:solidFill>
+                <a:latin typeface="+mn-lt"/>
+                <a:ea typeface="+mn-ea"/>
+                <a:cs typeface="+mn-cs"/>
+              </a:defRPr>
+            </a:lvl1pPr>
+            <a:lvl2pPr marL="685800" indent="-228600" algn="l" defTabSz="914400" rtl="0" eaLnBrk="1" latinLnBrk="0" hangingPunct="1">
+              <a:lnSpc>
+                <a:spcPct val="90000"/>
+              </a:lnSpc>
+              <a:spcBef>
+                <a:spcPts val="500"/>
+              </a:spcBef>
+              <a:buFont typeface="Arial" panose="020B0604020202020204" pitchFamily="34" charset="0"/>
+              <a:buChar char="•"/>
+              <a:defRPr sz="2400" kern="1200">
+                <a:solidFill>
+                  <a:schemeClr val="tx1"/>
+                </a:solidFill>
+                <a:latin typeface="+mn-lt"/>
+                <a:ea typeface="+mn-ea"/>
+                <a:cs typeface="+mn-cs"/>
+              </a:defRPr>
+            </a:lvl2pPr>
+            <a:lvl3pPr marL="1143000" indent="-228600" algn="l" defTabSz="914400" rtl="0" eaLnBrk="1" latinLnBrk="0" hangingPunct="1">
+              <a:lnSpc>
+                <a:spcPct val="90000"/>
+              </a:lnSpc>
+              <a:spcBef>
+                <a:spcPts val="500"/>
+              </a:spcBef>
+              <a:buFont typeface="Arial" panose="020B0604020202020204" pitchFamily="34" charset="0"/>
+              <a:buChar char="•"/>
+              <a:defRPr sz="2000" kern="1200">
+                <a:solidFill>
+                  <a:schemeClr val="tx1"/>
+                </a:solidFill>
+                <a:latin typeface="+mn-lt"/>
+                <a:ea typeface="+mn-ea"/>
+                <a:cs typeface="+mn-cs"/>
+              </a:defRPr>
+            </a:lvl3pPr>
+            <a:lvl4pPr marL="1600200" indent="-228600" algn="l" defTabSz="914400" rtl="0" eaLnBrk="1" latinLnBrk="0" hangingPunct="1">
+              <a:lnSpc>
+                <a:spcPct val="90000"/>
+              </a:lnSpc>
+              <a:spcBef>
+                <a:spcPts val="500"/>
+              </a:spcBef>
+              <a:buFont typeface="Arial" panose="020B0604020202020204" pitchFamily="34" charset="0"/>
+              <a:buChar char="•"/>
+              <a:defRPr sz="1800" kern="1200">
+                <a:solidFill>
+                  <a:schemeClr val="tx1"/>
+                </a:solidFill>
+                <a:latin typeface="+mn-lt"/>
+                <a:ea typeface="+mn-ea"/>
+                <a:cs typeface="+mn-cs"/>
+              </a:defRPr>
+            </a:lvl4pPr>
+            <a:lvl5pPr marL="2057400" indent="-228600" algn="l" defTabSz="914400" rtl="0" eaLnBrk="1" latinLnBrk="0" hangingPunct="1">
+              <a:lnSpc>
+                <a:spcPct val="90000"/>
+              </a:lnSpc>
+              <a:spcBef>
+                <a:spcPts val="500"/>
+              </a:spcBef>
+              <a:buFont typeface="Arial" panose="020B0604020202020204" pitchFamily="34" charset="0"/>
+              <a:buChar char="•"/>
+              <a:defRPr sz="1800" kern="1200">
+                <a:solidFill>
+                  <a:schemeClr val="tx1"/>
+                </a:solidFill>
+                <a:latin typeface="+mn-lt"/>
+                <a:ea typeface="+mn-ea"/>
+                <a:cs typeface="+mn-cs"/>
+              </a:defRPr>
+            </a:lvl5pPr>
+            <a:lvl6pPr marL="2514600" indent="-228600" algn="l" defTabSz="914400" rtl="0" eaLnBrk="1" latinLnBrk="0" hangingPunct="1">
+              <a:lnSpc>
+                <a:spcPct val="90000"/>
+              </a:lnSpc>
+              <a:spcBef>
+                <a:spcPts val="500"/>
+              </a:spcBef>
+              <a:buFont typeface="Arial" panose="020B0604020202020204" pitchFamily="34" charset="0"/>
+              <a:buChar char="•"/>
+              <a:defRPr sz="1800" kern="1200">
+                <a:solidFill>
+                  <a:schemeClr val="tx1"/>
+                </a:solidFill>
+                <a:latin typeface="+mn-lt"/>
+                <a:ea typeface="+mn-ea"/>
+                <a:cs typeface="+mn-cs"/>
+              </a:defRPr>
+            </a:lvl6pPr>
+            <a:lvl7pPr marL="2971800" indent="-228600" algn="l" defTabSz="914400" rtl="0" eaLnBrk="1" latinLnBrk="0" hangingPunct="1">
+              <a:lnSpc>
+                <a:spcPct val="90000"/>
+              </a:lnSpc>
+              <a:spcBef>
+                <a:spcPts val="500"/>
+              </a:spcBef>
+              <a:buFont typeface="Arial" panose="020B0604020202020204" pitchFamily="34" charset="0"/>
+              <a:buChar char="•"/>
+              <a:defRPr sz="1800" kern="1200">
+                <a:solidFill>
+                  <a:schemeClr val="tx1"/>
+                </a:solidFill>
+                <a:latin typeface="+mn-lt"/>
+                <a:ea typeface="+mn-ea"/>
+                <a:cs typeface="+mn-cs"/>
+              </a:defRPr>
+            </a:lvl7pPr>
+            <a:lvl8pPr marL="3429000" indent="-228600" algn="l" defTabSz="914400" rtl="0" eaLnBrk="1" latinLnBrk="0" hangingPunct="1">
+              <a:lnSpc>
+                <a:spcPct val="90000"/>
+              </a:lnSpc>
+              <a:spcBef>
+                <a:spcPts val="500"/>
+              </a:spcBef>
+              <a:buFont typeface="Arial" panose="020B0604020202020204" pitchFamily="34" charset="0"/>
+              <a:buChar char="•"/>
+              <a:defRPr sz="1800" kern="1200">
+                <a:solidFill>
+                  <a:schemeClr val="tx1"/>
+                </a:solidFill>
+                <a:latin typeface="+mn-lt"/>
+                <a:ea typeface="+mn-ea"/>
+                <a:cs typeface="+mn-cs"/>
+              </a:defRPr>
+            </a:lvl8pPr>
+            <a:lvl9pPr marL="3886200" indent="-228600" algn="l" defTabSz="914400" rtl="0" eaLnBrk="1" latinLnBrk="0" hangingPunct="1">
+              <a:lnSpc>
+                <a:spcPct val="90000"/>
+              </a:lnSpc>
+              <a:spcBef>
+                <a:spcPts val="500"/>
+              </a:spcBef>
+              <a:buFont typeface="Arial" panose="020B0604020202020204" pitchFamily="34" charset="0"/>
+              <a:buChar char="•"/>
+              <a:defRPr sz="1800" kern="1200">
+                <a:solidFill>
+                  <a:schemeClr val="tx1"/>
+                </a:solidFill>
+                <a:latin typeface="+mn-lt"/>
+                <a:ea typeface="+mn-ea"/>
+                <a:cs typeface="+mn-cs"/>
+              </a:defRPr>
+            </a:lvl9pPr>
+          </a:lstStyle>
+          <a:p>
+            <a:pPr lvl="1"/>
+            <a:r>
+              <a:rPr lang="fr-FR" sz="3300" dirty="0"/>
+              <a:t>Partie Réseau :</a:t>
+            </a:r>
+          </a:p>
+          <a:p>
+            <a:pPr lvl="2"/>
+            <a:r>
+              <a:rPr lang="fr-FR" sz="2600" dirty="0"/>
+              <a:t>Ubuntu et son </a:t>
+            </a:r>
+            <a:r>
+              <a:rPr lang="fr-FR" sz="2600" dirty="0" err="1"/>
+              <a:t>parefeu</a:t>
+            </a:r>
+            <a:r>
+              <a:rPr lang="fr-FR" sz="2600" dirty="0"/>
+              <a:t> UFW pour le serveur</a:t>
+            </a:r>
+          </a:p>
+          <a:p>
+            <a:pPr lvl="2"/>
+            <a:r>
+              <a:rPr lang="fr-FR" sz="2600" dirty="0" err="1"/>
+              <a:t>Php</a:t>
+            </a:r>
+            <a:r>
+              <a:rPr lang="fr-FR" sz="2600" dirty="0"/>
+              <a:t> Spark </a:t>
+            </a:r>
+            <a:r>
+              <a:rPr lang="fr-FR" sz="2600" dirty="0" err="1"/>
+              <a:t>Serv</a:t>
+            </a:r>
+            <a:r>
+              <a:rPr lang="fr-FR" sz="2600" dirty="0"/>
+              <a:t> (par Code </a:t>
+            </a:r>
+            <a:r>
+              <a:rPr lang="fr-FR" sz="2600" dirty="0" err="1"/>
+              <a:t>Igniter</a:t>
+            </a:r>
+            <a:r>
+              <a:rPr lang="fr-FR" sz="2600" dirty="0"/>
+              <a:t>)</a:t>
+            </a:r>
+          </a:p>
+          <a:p>
+            <a:pPr lvl="2"/>
+            <a:r>
+              <a:rPr lang="fr-FR" sz="2600" dirty="0" err="1"/>
+              <a:t>Numérilab</a:t>
+            </a:r>
+            <a:endParaRPr lang="fr-FR" sz="2600" dirty="0"/>
+          </a:p>
+          <a:p>
+            <a:pPr lvl="2"/>
+            <a:r>
+              <a:rPr lang="fr-FR" sz="2600" dirty="0"/>
+              <a:t>Apache 2</a:t>
+            </a:r>
+          </a:p>
+          <a:p>
+            <a:pPr lvl="2"/>
+            <a:r>
+              <a:rPr lang="fr-FR" sz="2600" dirty="0"/>
+              <a:t>Cisco </a:t>
+            </a:r>
+            <a:r>
+              <a:rPr lang="fr-FR" sz="2600" dirty="0" err="1"/>
+              <a:t>Any</a:t>
+            </a:r>
+            <a:r>
+              <a:rPr lang="fr-FR" sz="2600" dirty="0"/>
+              <a:t> </a:t>
+            </a:r>
+            <a:r>
+              <a:rPr lang="fr-FR" sz="2600" dirty="0" err="1"/>
+              <a:t>Connect</a:t>
+            </a:r>
+            <a:endParaRPr lang="fr-FR" sz="2600" dirty="0"/>
+          </a:p>
+          <a:p>
+            <a:pPr lvl="2"/>
+            <a:r>
+              <a:rPr lang="fr-FR" sz="2600" dirty="0"/>
+              <a:t>Cluster Hyper V</a:t>
+            </a:r>
+          </a:p>
+          <a:p>
+            <a:endParaRPr lang="fr-FR" dirty="0"/>
+          </a:p>
+        </p:txBody>
+      </p:sp>
     </p:spTree>
     <p:extLst>
       <p:ext uri="{BB962C8B-B14F-4D97-AF65-F5344CB8AC3E}">
@@ -8859,8 +9177,10 @@
           <a:lstStyle/>
           <a:p>
             <a:r>
-              <a:rPr lang="fr-FR" dirty="0"/>
-              <a:t>Manque d’explication</a:t>
+              <a:rPr lang="fr-FR" b="0" i="0" dirty="0">
+                <a:effectLst/>
+              </a:rPr>
+              <a:t>Manque d’explication pour la mise en place de l’infrastructure</a:t>
             </a:r>
           </a:p>
           <a:p>
@@ -9175,7 +9495,7 @@
         <p:spPr>
           <a:xfrm>
             <a:off x="1733107" y="2902688"/>
-            <a:ext cx="8378456" cy="2308324"/>
+            <a:ext cx="8378456" cy="1754326"/>
           </a:xfrm>
           <a:prstGeom prst="rect">
             <a:avLst/>
@@ -9196,12 +9516,6 @@
           <a:p>
             <a:r>
               <a:rPr lang="fr-FR" dirty="0"/>
-              <a:t>Problèmes d’adaptation de la méthode Agile </a:t>
-            </a:r>
-          </a:p>
-          <a:p>
-            <a:r>
-              <a:rPr lang="fr-FR" dirty="0"/>
               <a:t>Durée trop courte</a:t>
             </a:r>
           </a:p>
@@ -9226,13 +9540,7 @@
           <a:p>
             <a:r>
               <a:rPr lang="fr-FR" dirty="0"/>
-              <a:t>Manque de temps</a:t>
-            </a:r>
-          </a:p>
-          <a:p>
-            <a:r>
-              <a:rPr lang="fr-FR" dirty="0"/>
-              <a:t>Outils : Teams, Discord, Git, Trello </a:t>
+              <a:t>Outils : Teams, Discord, Git, Trello, Visual Studio </a:t>
             </a:r>
           </a:p>
         </p:txBody>
@@ -9339,7 +9647,7 @@
         <p:spPr>
           <a:xfrm>
             <a:off x="1733107" y="2902688"/>
-            <a:ext cx="8378456" cy="3139321"/>
+            <a:ext cx="8378456" cy="2308324"/>
           </a:xfrm>
           <a:prstGeom prst="rect">
             <a:avLst/>
@@ -9354,12 +9662,6 @@
           <a:p>
             <a:r>
               <a:rPr lang="fr-FR" dirty="0"/>
-              <a:t>Utilisation d’outils adaptés comme Trello et Teams</a:t>
-            </a:r>
-          </a:p>
-          <a:p>
-            <a:r>
-              <a:rPr lang="fr-FR" dirty="0"/>
               <a:t>Prise du lead et organisation selon les capacités de chacun</a:t>
             </a:r>
           </a:p>
@@ -9373,18 +9675,6 @@
             <a:r>
               <a:rPr lang="fr-FR" dirty="0"/>
               <a:t>Travail collaboratif sur Teams et Whiteboard.io</a:t>
-            </a:r>
-          </a:p>
-          <a:p>
-            <a:r>
-              <a:rPr lang="fr-FR" dirty="0"/>
-              <a:t>Durée trop courte</a:t>
-            </a:r>
-          </a:p>
-          <a:p>
-            <a:r>
-              <a:rPr lang="fr-FR" dirty="0"/>
-              <a:t>Répartition des tâches selon les capacités de chacun</a:t>
             </a:r>
           </a:p>
           <a:p>
